--- a/CustomerEngagements/confio/IOT-Door-Bell-Architecture1.pptx
+++ b/CustomerEngagements/confio/IOT-Door-Bell-Architecture1.pptx
@@ -5,16 +5,15 @@
     <p:sldMasterId id="2147483704" r:id="rId4"/>
   </p:sldMasterIdLst>
   <p:notesMasterIdLst>
-    <p:notesMasterId r:id="rId9"/>
+    <p:notesMasterId r:id="rId8"/>
   </p:notesMasterIdLst>
   <p:handoutMasterIdLst>
-    <p:handoutMasterId r:id="rId10"/>
+    <p:handoutMasterId r:id="rId9"/>
   </p:handoutMasterIdLst>
   <p:sldIdLst>
     <p:sldId id="360" r:id="rId5"/>
     <p:sldId id="387" r:id="rId6"/>
     <p:sldId id="264" r:id="rId7"/>
-    <p:sldId id="388" r:id="rId8"/>
   </p:sldIdLst>
   <p:sldSz cx="9144000" cy="5143500" type="screen16x9"/>
   <p:notesSz cx="9601200" cy="7315200"/>
@@ -295,7 +294,7 @@
             <a:fld id="{1B9E88C5-C104-1D4D-887E-00A617007132}" type="datetimeFigureOut">
               <a:rPr lang="en-US" smtClean="0"/>
               <a:pPr/>
-              <a:t>6/27/2023</a:t>
+              <a:t>11/20/2023</a:t>
             </a:fld>
             <a:endParaRPr lang="en-US" dirty="0"/>
           </a:p>
@@ -463,7 +462,7 @@
             <a:fld id="{0F237061-72E3-FC45-B1DA-EE364FA20673}" type="datetimeFigureOut">
               <a:rPr lang="en-US" smtClean="0"/>
               <a:pPr/>
-              <a:t>6/27/2023</a:t>
+              <a:t>11/20/2023</a:t>
             </a:fld>
             <a:endParaRPr lang="en-US" dirty="0"/>
           </a:p>
@@ -971,7 +970,7 @@
           <a:p>
             <a:fld id="{92FD98AD-7C5B-4994-98B8-765221AB7D4C}" type="datetimeFigureOut">
               <a:rPr lang="en-US" smtClean="0"/>
-              <a:t>6/27/2023</a:t>
+              <a:t>11/20/2023</a:t>
             </a:fld>
             <a:endParaRPr lang="en-US"/>
           </a:p>
@@ -1170,7 +1169,7 @@
           <a:p>
             <a:fld id="{92FD98AD-7C5B-4994-98B8-765221AB7D4C}" type="datetimeFigureOut">
               <a:rPr lang="en-US" smtClean="0"/>
-              <a:t>6/27/2023</a:t>
+              <a:t>11/20/2023</a:t>
             </a:fld>
             <a:endParaRPr lang="en-US"/>
           </a:p>
@@ -1379,7 +1378,7 @@
           <a:p>
             <a:fld id="{92FD98AD-7C5B-4994-98B8-765221AB7D4C}" type="datetimeFigureOut">
               <a:rPr lang="en-US" smtClean="0"/>
-              <a:t>6/27/2023</a:t>
+              <a:t>11/20/2023</a:t>
             </a:fld>
             <a:endParaRPr lang="en-US"/>
           </a:p>
@@ -1635,7 +1634,7 @@
           <a:p>
             <a:fld id="{92FD98AD-7C5B-4994-98B8-765221AB7D4C}" type="datetimeFigureOut">
               <a:rPr lang="en-US" smtClean="0"/>
-              <a:t>6/27/2023</a:t>
+              <a:t>11/20/2023</a:t>
             </a:fld>
             <a:endParaRPr lang="en-US"/>
           </a:p>
@@ -1911,7 +1910,7 @@
           <a:p>
             <a:fld id="{92FD98AD-7C5B-4994-98B8-765221AB7D4C}" type="datetimeFigureOut">
               <a:rPr lang="en-US" smtClean="0"/>
-              <a:t>6/27/2023</a:t>
+              <a:t>11/20/2023</a:t>
             </a:fld>
             <a:endParaRPr lang="en-US"/>
           </a:p>
@@ -2177,7 +2176,7 @@
           <a:p>
             <a:fld id="{92FD98AD-7C5B-4994-98B8-765221AB7D4C}" type="datetimeFigureOut">
               <a:rPr lang="en-US" smtClean="0"/>
-              <a:t>6/27/2023</a:t>
+              <a:t>11/20/2023</a:t>
             </a:fld>
             <a:endParaRPr lang="en-US"/>
           </a:p>
@@ -2590,7 +2589,7 @@
           <a:p>
             <a:fld id="{92FD98AD-7C5B-4994-98B8-765221AB7D4C}" type="datetimeFigureOut">
               <a:rPr lang="en-US" smtClean="0"/>
-              <a:t>6/27/2023</a:t>
+              <a:t>11/20/2023</a:t>
             </a:fld>
             <a:endParaRPr lang="en-US"/>
           </a:p>
@@ -2732,7 +2731,7 @@
           <a:p>
             <a:fld id="{92FD98AD-7C5B-4994-98B8-765221AB7D4C}" type="datetimeFigureOut">
               <a:rPr lang="en-US" smtClean="0"/>
-              <a:t>6/27/2023</a:t>
+              <a:t>11/20/2023</a:t>
             </a:fld>
             <a:endParaRPr lang="en-US"/>
           </a:p>
@@ -2846,7 +2845,7 @@
           <a:p>
             <a:fld id="{92FD98AD-7C5B-4994-98B8-765221AB7D4C}" type="datetimeFigureOut">
               <a:rPr lang="en-US" smtClean="0"/>
-              <a:t>6/27/2023</a:t>
+              <a:t>11/20/2023</a:t>
             </a:fld>
             <a:endParaRPr lang="en-US"/>
           </a:p>
@@ -3158,7 +3157,7 @@
           <a:p>
             <a:fld id="{92FD98AD-7C5B-4994-98B8-765221AB7D4C}" type="datetimeFigureOut">
               <a:rPr lang="en-US" smtClean="0"/>
-              <a:t>6/27/2023</a:t>
+              <a:t>11/20/2023</a:t>
             </a:fld>
             <a:endParaRPr lang="en-US"/>
           </a:p>
@@ -3447,7 +3446,7 @@
           <a:p>
             <a:fld id="{92FD98AD-7C5B-4994-98B8-765221AB7D4C}" type="datetimeFigureOut">
               <a:rPr lang="en-US" smtClean="0"/>
-              <a:t>6/27/2023</a:t>
+              <a:t>11/20/2023</a:t>
             </a:fld>
             <a:endParaRPr lang="en-US"/>
           </a:p>
@@ -3689,7 +3688,7 @@
           <a:p>
             <a:fld id="{92FD98AD-7C5B-4994-98B8-765221AB7D4C}" type="datetimeFigureOut">
               <a:rPr lang="en-US" smtClean="0"/>
-              <a:t>6/27/2023</a:t>
+              <a:t>11/20/2023</a:t>
             </a:fld>
             <a:endParaRPr lang="en-US"/>
           </a:p>
@@ -8251,71 +8250,6 @@
 </p:sld>
 </file>
 
-<file path=ppt/slides/slide4.xml><?xml version="1.0" encoding="utf-8"?>
-<p:sld xmlns:a="http://schemas.openxmlformats.org/drawingml/2006/main" xmlns:r="http://schemas.openxmlformats.org/officeDocument/2006/relationships" xmlns:p="http://schemas.openxmlformats.org/presentationml/2006/main">
-  <p:cSld>
-    <p:spTree>
-      <p:nvGrpSpPr>
-        <p:cNvPr id="1" name=""/>
-        <p:cNvGrpSpPr/>
-        <p:nvPr/>
-      </p:nvGrpSpPr>
-      <p:grpSpPr>
-        <a:xfrm>
-          <a:off x="0" y="0"/>
-          <a:ext cx="0" cy="0"/>
-          <a:chOff x="0" y="0"/>
-          <a:chExt cx="0" cy="0"/>
-        </a:xfrm>
-      </p:grpSpPr>
-      <p:sp>
-        <p:nvSpPr>
-          <p:cNvPr id="4" name="TextBox 3">
-            <a:extLst>
-              <a:ext uri="{FF2B5EF4-FFF2-40B4-BE49-F238E27FC236}">
-                <a16:creationId xmlns:a16="http://schemas.microsoft.com/office/drawing/2014/main" id="{6077BC88-329F-C957-C9AA-E5CB2227830F}"/>
-              </a:ext>
-            </a:extLst>
-          </p:cNvPr>
-          <p:cNvSpPr txBox="1"/>
-          <p:nvPr/>
-        </p:nvSpPr>
-        <p:spPr>
-          <a:xfrm>
-            <a:off x="755117" y="271370"/>
-            <a:ext cx="7810746" cy="369332"/>
-          </a:xfrm>
-          <a:prstGeom prst="rect">
-            <a:avLst/>
-          </a:prstGeom>
-          <a:noFill/>
-        </p:spPr>
-        <p:txBody>
-          <a:bodyPr wrap="square" rtlCol="0">
-            <a:spAutoFit/>
-          </a:bodyPr>
-          <a:lstStyle/>
-          <a:p>
-            <a:r>
-              <a:rPr lang="en-US" dirty="0"/>
-              <a:t>Associate Device to Specific End User </a:t>
-            </a:r>
-          </a:p>
-        </p:txBody>
-      </p:sp>
-    </p:spTree>
-    <p:extLst>
-      <p:ext uri="{BB962C8B-B14F-4D97-AF65-F5344CB8AC3E}">
-        <p14:creationId xmlns:p14="http://schemas.microsoft.com/office/powerpoint/2010/main" val="697960400"/>
-      </p:ext>
-    </p:extLst>
-  </p:cSld>
-  <p:clrMapOvr>
-    <a:masterClrMapping/>
-  </p:clrMapOvr>
-</p:sld>
-</file>
-
 <file path=ppt/theme/theme1.xml><?xml version="1.0" encoding="utf-8"?>
 <a:theme xmlns:a="http://schemas.openxmlformats.org/drawingml/2006/main" name="Office Theme">
   <a:themeElements>
@@ -9459,18 +9393,18 @@
 </file>
 
 <file path=customXml/item2.xml><?xml version="1.0" encoding="utf-8"?>
-<p:properties xmlns:p="http://schemas.microsoft.com/office/2006/metadata/properties" xmlns:xsi="http://www.w3.org/2001/XMLSchema-instance" xmlns:pc="http://schemas.microsoft.com/office/infopath/2007/PartnerControls">
-  <documentManagement/>
-</p:properties>
-</file>
-
-<file path=customXml/item3.xml><?xml version="1.0" encoding="utf-8"?>
 <?mso-contentType ?>
 <FormTemplates xmlns="http://schemas.microsoft.com/sharepoint/v3/contenttype/forms">
   <Display>DocumentLibraryForm</Display>
   <Edit>DocumentLibraryForm</Edit>
   <New>DocumentLibraryForm</New>
 </FormTemplates>
+</file>
+
+<file path=customXml/item3.xml><?xml version="1.0" encoding="utf-8"?>
+<p:properties xmlns:p="http://schemas.microsoft.com/office/2006/metadata/properties" xmlns:xsi="http://www.w3.org/2001/XMLSchema-instance" xmlns:pc="http://schemas.microsoft.com/office/infopath/2007/PartnerControls">
+  <documentManagement/>
+</p:properties>
 </file>
 
 <file path=customXml/itemProps1.xml><?xml version="1.0" encoding="utf-8"?>
@@ -9493,6 +9427,14 @@
 </file>
 
 <file path=customXml/itemProps2.xml><?xml version="1.0" encoding="utf-8"?>
+<ds:datastoreItem xmlns:ds="http://schemas.openxmlformats.org/officeDocument/2006/customXml" ds:itemID="{321F4AC2-0AEA-4354-802A-609AA4E08D71}">
+  <ds:schemaRefs>
+    <ds:schemaRef ds:uri="http://schemas.microsoft.com/sharepoint/v3/contenttype/forms"/>
+  </ds:schemaRefs>
+</ds:datastoreItem>
+</file>
+
+<file path=customXml/itemProps3.xml><?xml version="1.0" encoding="utf-8"?>
 <ds:datastoreItem xmlns:ds="http://schemas.openxmlformats.org/officeDocument/2006/customXml" ds:itemID="{B51BF9A0-A380-42E8-B81F-03D2471160C1}">
   <ds:schemaRefs>
     <ds:schemaRef ds:uri="http://purl.org/dc/elements/1.1/"/>
@@ -9505,12 +9447,4 @@
     <ds:schemaRef ds:uri="http://purl.org/dc/dcmitype/"/>
   </ds:schemaRefs>
 </ds:datastoreItem>
-</file>
-
-<file path=customXml/itemProps3.xml><?xml version="1.0" encoding="utf-8"?>
-<ds:datastoreItem xmlns:ds="http://schemas.openxmlformats.org/officeDocument/2006/customXml" ds:itemID="{321F4AC2-0AEA-4354-802A-609AA4E08D71}">
-  <ds:schemaRefs>
-    <ds:schemaRef ds:uri="http://schemas.microsoft.com/sharepoint/v3/contenttype/forms"/>
-  </ds:schemaRefs>
-</ds:datastoreItem>
 </file>